--- a/topic04/talk-2/ReactJS_01.pptx
+++ b/topic04/talk-2/ReactJS_01.pptx
@@ -999,6 +999,350 @@
         <p:txBody>
           <a:bodyPr/>
           <a:lstStyle/>
+          <a:p>
+            <a:endParaRPr lang="en-GB" b="1" i="0" dirty="0">
+              <a:solidFill>
+                <a:srgbClr val="0D0D0D"/>
+              </a:solidFill>
+              <a:effectLst/>
+              <a:latin typeface="Söhne"/>
+            </a:endParaRPr>
+          </a:p>
+          <a:p>
+            <a:pPr algn="l">
+              <a:buFont typeface="Arial" panose="020B0604020202020204" pitchFamily="34" charset="0"/>
+              <a:buChar char="•"/>
+            </a:pPr>
+            <a:r>
+              <a:rPr lang="en-GB" b="0" i="0" u="none" strike="noStrike" dirty="0">
+                <a:solidFill>
+                  <a:srgbClr val="CCCCCC"/>
+                </a:solidFill>
+                <a:effectLst/>
+                <a:latin typeface="Segoe WPC"/>
+                <a:hlinkClick r:id="rId3"/>
+              </a:rPr>
+              <a:t>Meta</a:t>
+            </a:r>
+            <a:r>
+              <a:rPr lang="en-GB" b="0" i="0" dirty="0">
+                <a:solidFill>
+                  <a:srgbClr val="CCCCCC"/>
+                </a:solidFill>
+                <a:effectLst/>
+                <a:latin typeface="Segoe WPC"/>
+              </a:rPr>
+              <a:t> and </a:t>
+            </a:r>
+            <a:r>
+              <a:rPr lang="en-GB" b="0" i="0" u="none" strike="noStrike" dirty="0" err="1">
+                <a:solidFill>
+                  <a:srgbClr val="CCCCCC"/>
+                </a:solidFill>
+                <a:effectLst/>
+                <a:latin typeface="Segoe WPC"/>
+                <a:hlinkClick r:id="rId3"/>
+              </a:rPr>
+              <a:t>StoryObj</a:t>
+            </a:r>
+            <a:r>
+              <a:rPr lang="en-GB" b="0" i="0" dirty="0">
+                <a:solidFill>
+                  <a:srgbClr val="CCCCCC"/>
+                </a:solidFill>
+                <a:effectLst/>
+                <a:latin typeface="Segoe WPC"/>
+              </a:rPr>
+              <a:t> are types from @storybook/react used to define metadata and story objects.</a:t>
+            </a:r>
+          </a:p>
+          <a:p>
+            <a:pPr algn="l">
+              <a:buFont typeface="Arial" panose="020B0604020202020204" pitchFamily="34" charset="0"/>
+              <a:buChar char="•"/>
+            </a:pPr>
+            <a:r>
+              <a:rPr lang="en-GB" b="0" i="0" u="none" strike="noStrike" dirty="0" err="1">
+                <a:solidFill>
+                  <a:srgbClr val="CCCCCC"/>
+                </a:solidFill>
+                <a:effectLst/>
+                <a:latin typeface="Segoe WPC"/>
+                <a:hlinkClick r:id="rId3"/>
+              </a:rPr>
+              <a:t>StaticComponent</a:t>
+            </a:r>
+            <a:r>
+              <a:rPr lang="en-GB" b="0" i="0" dirty="0">
+                <a:solidFill>
+                  <a:srgbClr val="CCCCCC"/>
+                </a:solidFill>
+                <a:effectLst/>
+                <a:latin typeface="Segoe WPC"/>
+              </a:rPr>
+              <a:t> is the React component being documented and tested with Storybook.</a:t>
+            </a:r>
+          </a:p>
+          <a:p>
+            <a:endParaRPr lang="en-GB" b="1" i="0" dirty="0">
+              <a:solidFill>
+                <a:srgbClr val="0D0D0D"/>
+              </a:solidFill>
+              <a:effectLst/>
+              <a:latin typeface="Söhne"/>
+            </a:endParaRPr>
+          </a:p>
+          <a:p>
+            <a:endParaRPr lang="en-GB" b="1" i="0" dirty="0">
+              <a:solidFill>
+                <a:srgbClr val="0D0D0D"/>
+              </a:solidFill>
+              <a:effectLst/>
+              <a:latin typeface="Söhne"/>
+            </a:endParaRPr>
+          </a:p>
+          <a:p>
+            <a:pPr algn="l">
+              <a:buFont typeface="Arial" panose="020B0604020202020204" pitchFamily="34" charset="0"/>
+              <a:buChar char="•"/>
+            </a:pPr>
+            <a:r>
+              <a:rPr lang="en-GB" b="0" i="0" u="none" strike="noStrike" dirty="0">
+                <a:solidFill>
+                  <a:srgbClr val="CCCCCC"/>
+                </a:solidFill>
+                <a:effectLst/>
+                <a:latin typeface="Segoe WPC"/>
+                <a:hlinkClick r:id="rId3"/>
+              </a:rPr>
+              <a:t>meta</a:t>
+            </a:r>
+            <a:r>
+              <a:rPr lang="en-GB" b="0" i="0" dirty="0">
+                <a:solidFill>
+                  <a:srgbClr val="CCCCCC"/>
+                </a:solidFill>
+                <a:effectLst/>
+                <a:latin typeface="Segoe WPC"/>
+              </a:rPr>
+              <a:t> is an object that contains metadata about the story, including the title and the component being documented.</a:t>
+            </a:r>
+          </a:p>
+          <a:p>
+            <a:pPr algn="l">
+              <a:buFont typeface="Arial" panose="020B0604020202020204" pitchFamily="34" charset="0"/>
+              <a:buChar char="•"/>
+            </a:pPr>
+            <a:r>
+              <a:rPr lang="en-GB" b="0" i="0" u="none" strike="noStrike" dirty="0">
+                <a:solidFill>
+                  <a:srgbClr val="CCCCCC"/>
+                </a:solidFill>
+                <a:effectLst/>
+                <a:latin typeface="Segoe WPC"/>
+                <a:hlinkClick r:id="rId3"/>
+              </a:rPr>
+              <a:t>title</a:t>
+            </a:r>
+            <a:r>
+              <a:rPr lang="en-GB" b="0" i="0" dirty="0">
+                <a:solidFill>
+                  <a:srgbClr val="CCCCCC"/>
+                </a:solidFill>
+                <a:effectLst/>
+                <a:latin typeface="Segoe WPC"/>
+              </a:rPr>
+              <a:t> specifies the name under which the story will appear in the Storybook UI.</a:t>
+            </a:r>
+          </a:p>
+          <a:p>
+            <a:pPr algn="l">
+              <a:buFont typeface="Arial" panose="020B0604020202020204" pitchFamily="34" charset="0"/>
+              <a:buChar char="•"/>
+            </a:pPr>
+            <a:r>
+              <a:rPr lang="en-GB" b="0" i="0" u="none" strike="noStrike" dirty="0">
+                <a:solidFill>
+                  <a:srgbClr val="CCCCCC"/>
+                </a:solidFill>
+                <a:effectLst/>
+                <a:latin typeface="Segoe WPC"/>
+                <a:hlinkClick r:id="rId3"/>
+              </a:rPr>
+              <a:t>component</a:t>
+            </a:r>
+            <a:r>
+              <a:rPr lang="en-GB" b="0" i="0" dirty="0">
+                <a:solidFill>
+                  <a:srgbClr val="CCCCCC"/>
+                </a:solidFill>
+                <a:effectLst/>
+                <a:latin typeface="Segoe WPC"/>
+              </a:rPr>
+              <a:t> specifies the React component that this story is for.</a:t>
+            </a:r>
+          </a:p>
+          <a:p>
+            <a:pPr algn="l">
+              <a:buFont typeface="Arial" panose="020B0604020202020204" pitchFamily="34" charset="0"/>
+              <a:buChar char="•"/>
+            </a:pPr>
+            <a:r>
+              <a:rPr lang="en-GB" b="0" i="0" u="none" strike="noStrike" dirty="0">
+                <a:solidFill>
+                  <a:srgbClr val="CCCCCC"/>
+                </a:solidFill>
+                <a:effectLst/>
+                <a:latin typeface="Segoe WPC"/>
+                <a:hlinkClick r:id="rId3"/>
+              </a:rPr>
+              <a:t>export default meta;</a:t>
+            </a:r>
+            <a:r>
+              <a:rPr lang="en-GB" b="0" i="0" dirty="0">
+                <a:solidFill>
+                  <a:srgbClr val="CCCCCC"/>
+                </a:solidFill>
+                <a:effectLst/>
+                <a:latin typeface="Segoe WPC"/>
+              </a:rPr>
+              <a:t> exports this metadata as the default export of the module.</a:t>
+            </a:r>
+          </a:p>
+          <a:p>
+            <a:endParaRPr lang="en-GB" b="1" i="0" dirty="0">
+              <a:solidFill>
+                <a:srgbClr val="0D0D0D"/>
+              </a:solidFill>
+              <a:effectLst/>
+              <a:latin typeface="Söhne"/>
+            </a:endParaRPr>
+          </a:p>
+          <a:p>
+            <a:endParaRPr lang="en-GB" b="1" i="0" dirty="0">
+              <a:solidFill>
+                <a:srgbClr val="0D0D0D"/>
+              </a:solidFill>
+              <a:effectLst/>
+              <a:latin typeface="Söhne"/>
+            </a:endParaRPr>
+          </a:p>
+          <a:p>
+            <a:pPr algn="l">
+              <a:buFont typeface="Arial" panose="020B0604020202020204" pitchFamily="34" charset="0"/>
+              <a:buChar char="•"/>
+            </a:pPr>
+            <a:r>
+              <a:rPr lang="en-GB" b="0" i="0" u="none" strike="noStrike" dirty="0">
+                <a:solidFill>
+                  <a:srgbClr val="CCCCCC"/>
+                </a:solidFill>
+                <a:effectLst/>
+                <a:latin typeface="Segoe WPC"/>
+                <a:hlinkClick r:id="rId3"/>
+              </a:rPr>
+              <a:t>Story</a:t>
+            </a:r>
+            <a:r>
+              <a:rPr lang="en-GB" b="0" i="0" dirty="0">
+                <a:solidFill>
+                  <a:srgbClr val="CCCCCC"/>
+                </a:solidFill>
+                <a:effectLst/>
+                <a:latin typeface="Segoe WPC"/>
+              </a:rPr>
+              <a:t> is a type alias for a story object based on the </a:t>
+            </a:r>
+            <a:r>
+              <a:rPr lang="en-GB" b="0" i="0" u="none" strike="noStrike" dirty="0">
+                <a:solidFill>
+                  <a:srgbClr val="CCCCCC"/>
+                </a:solidFill>
+                <a:effectLst/>
+                <a:latin typeface="Segoe WPC"/>
+                <a:hlinkClick r:id="rId3"/>
+              </a:rPr>
+              <a:t>meta</a:t>
+            </a:r>
+            <a:r>
+              <a:rPr lang="en-GB" b="0" i="0" dirty="0">
+                <a:solidFill>
+                  <a:srgbClr val="CCCCCC"/>
+                </a:solidFill>
+                <a:effectLst/>
+                <a:latin typeface="Segoe WPC"/>
+              </a:rPr>
+              <a:t> type.</a:t>
+            </a:r>
+          </a:p>
+          <a:p>
+            <a:pPr algn="l">
+              <a:buFont typeface="Arial" panose="020B0604020202020204" pitchFamily="34" charset="0"/>
+              <a:buChar char="•"/>
+            </a:pPr>
+            <a:r>
+              <a:rPr lang="en-GB" b="0" i="0" u="none" strike="noStrike" dirty="0">
+                <a:solidFill>
+                  <a:srgbClr val="CCCCCC"/>
+                </a:solidFill>
+                <a:effectLst/>
+                <a:latin typeface="Segoe WPC"/>
+                <a:hlinkClick r:id="rId3"/>
+              </a:rPr>
+              <a:t>Basic</a:t>
+            </a:r>
+            <a:r>
+              <a:rPr lang="en-GB" b="0" i="0" dirty="0">
+                <a:solidFill>
+                  <a:srgbClr val="CCCCCC"/>
+                </a:solidFill>
+                <a:effectLst/>
+                <a:latin typeface="Segoe WPC"/>
+              </a:rPr>
+              <a:t> is a story that currently does not have any arguments (</a:t>
+            </a:r>
+            <a:r>
+              <a:rPr lang="en-GB" b="0" i="0" dirty="0" err="1">
+                <a:solidFill>
+                  <a:srgbClr val="CCCCCC"/>
+                </a:solidFill>
+                <a:effectLst/>
+                <a:latin typeface="Segoe WPC"/>
+              </a:rPr>
+              <a:t>args</a:t>
+            </a:r>
+            <a:r>
+              <a:rPr lang="en-GB" b="0" i="0" dirty="0">
+                <a:solidFill>
+                  <a:srgbClr val="CCCCCC"/>
+                </a:solidFill>
+                <a:effectLst/>
+                <a:latin typeface="Segoe WPC"/>
+              </a:rPr>
+              <a:t>) defined. It represents a basic state of the </a:t>
+            </a:r>
+            <a:r>
+              <a:rPr lang="en-GB" b="0" i="0" u="none" strike="noStrike" dirty="0" err="1">
+                <a:solidFill>
+                  <a:srgbClr val="CCCCCC"/>
+                </a:solidFill>
+                <a:effectLst/>
+                <a:latin typeface="Segoe WPC"/>
+                <a:hlinkClick r:id="rId3"/>
+              </a:rPr>
+              <a:t>StaticComponent</a:t>
+            </a:r>
+            <a:r>
+              <a:rPr lang="en-GB" b="0" i="0" dirty="0">
+                <a:solidFill>
+                  <a:srgbClr val="CCCCCC"/>
+                </a:solidFill>
+                <a:effectLst/>
+                <a:latin typeface="Segoe WPC"/>
+              </a:rPr>
+              <a:t> without any props.</a:t>
+            </a:r>
+          </a:p>
           <a:p>
             <a:endParaRPr lang="en-GB" b="1" i="0" dirty="0">
               <a:solidFill>
@@ -10642,7 +10986,7 @@
         </p:blipFill>
         <p:spPr>
           <a:xfrm>
-            <a:off x="1739632" y="1260275"/>
+            <a:off x="1676400" y="1295400"/>
             <a:ext cx="7506248" cy="5597725"/>
           </a:xfrm>
           <a:prstGeom prst="rect">
